--- a/CSO.pptx
+++ b/CSO.pptx
@@ -5,10 +5,10 @@
     <p:sldMasterId id="2147483660" r:id="rId1"/>
   </p:sldMasterIdLst>
   <p:notesMasterIdLst>
-    <p:notesMasterId r:id="rId9"/>
+    <p:notesMasterId r:id="rId12"/>
   </p:notesMasterIdLst>
   <p:handoutMasterIdLst>
-    <p:handoutMasterId r:id="rId10"/>
+    <p:handoutMasterId r:id="rId13"/>
   </p:handoutMasterIdLst>
   <p:sldIdLst>
     <p:sldId id="263" r:id="rId2"/>
@@ -18,6 +18,9 @@
     <p:sldId id="265" r:id="rId6"/>
     <p:sldId id="266" r:id="rId7"/>
     <p:sldId id="267" r:id="rId8"/>
+    <p:sldId id="268" r:id="rId9"/>
+    <p:sldId id="269" r:id="rId10"/>
+    <p:sldId id="270" r:id="rId11"/>
   </p:sldIdLst>
   <p:sldSz cx="12192000" cy="6858000"/>
   <p:notesSz cx="6858000" cy="9144000"/>
@@ -211,7 +214,7 @@
             <a:pPr rtl="0"/>
             <a:fld id="{990CDBA0-2228-425F-8F2C-295F87F2C56A}" type="datetime1">
               <a:rPr lang="sk-SK" smtClean="0"/>
-              <a:t>11. 12. 2022</a:t>
+              <a:t>12. 12. 2022</a:t>
             </a:fld>
             <a:endParaRPr lang="sk-SK"/>
           </a:p>
@@ -381,7 +384,7 @@
             <a:pPr rtl="0"/>
             <a:fld id="{64E1BB8F-A0F2-4561-95CF-2A7D9E6E3741}" type="datetime1">
               <a:rPr lang="sk-SK" noProof="0" smtClean="0"/>
-              <a:t>11. 12. 2022</a:t>
+              <a:t>12. 12. 2022</a:t>
             </a:fld>
             <a:endParaRPr lang="sk-SK" noProof="0"/>
           </a:p>
@@ -1461,7 +1464,7 @@
             <a:pPr rtl="0"/>
             <a:fld id="{135A75CE-D9E0-4646-BF32-82F1489E1FE5}" type="datetime1">
               <a:rPr lang="sk-SK" noProof="0" smtClean="0"/>
-              <a:t>11. 12. 2022</a:t>
+              <a:t>12. 12. 2022</a:t>
             </a:fld>
             <a:endParaRPr lang="sk-SK" noProof="0" dirty="0"/>
           </a:p>
@@ -1649,7 +1652,7 @@
             <a:pPr rtl="0"/>
             <a:fld id="{55F94AE5-947B-4AE1-82E8-91FFDE473872}" type="datetime1">
               <a:rPr lang="sk-SK" noProof="0" smtClean="0"/>
-              <a:t>11. 12. 2022</a:t>
+              <a:t>12. 12. 2022</a:t>
             </a:fld>
             <a:endParaRPr lang="sk-SK" noProof="0"/>
           </a:p>
@@ -1847,7 +1850,7 @@
             <a:pPr rtl="0"/>
             <a:fld id="{E4F4973D-1F9F-4CA0-A96D-110084A458D3}" type="datetime1">
               <a:rPr lang="sk-SK" noProof="0" smtClean="0"/>
-              <a:t>11. 12. 2022</a:t>
+              <a:t>12. 12. 2022</a:t>
             </a:fld>
             <a:endParaRPr lang="sk-SK" noProof="0"/>
           </a:p>
@@ -2051,7 +2054,7 @@
             <a:pPr rtl="0"/>
             <a:fld id="{1D45AF7B-298E-4967-B60C-F2D72DBFAA20}" type="datetime1">
               <a:rPr lang="sk-SK" noProof="0" smtClean="0"/>
-              <a:t>11. 12. 2022</a:t>
+              <a:t>12. 12. 2022</a:t>
             </a:fld>
             <a:endParaRPr lang="sk-SK" noProof="0"/>
           </a:p>
@@ -2294,7 +2297,7 @@
             <a:pPr rtl="0"/>
             <a:fld id="{EB8A355E-37EE-496E-8B73-5EF9C13F6ED4}" type="datetime1">
               <a:rPr lang="sk-SK" noProof="0" smtClean="0"/>
-              <a:t>11. 12. 2022</a:t>
+              <a:t>12. 12. 2022</a:t>
             </a:fld>
             <a:endParaRPr lang="sk-SK" noProof="0"/>
           </a:p>
@@ -2599,7 +2602,7 @@
             <a:pPr rtl="0"/>
             <a:fld id="{F3FEDA72-7850-421F-8F0F-7EFE1F80B5F4}" type="datetime1">
               <a:rPr lang="sk-SK" noProof="0" smtClean="0"/>
-              <a:t>11. 12. 2022</a:t>
+              <a:t>12. 12. 2022</a:t>
             </a:fld>
             <a:endParaRPr lang="sk-SK" noProof="0"/>
           </a:p>
@@ -3039,7 +3042,7 @@
             <a:pPr rtl="0"/>
             <a:fld id="{A4DD4E39-BDE1-4843-AC33-E3CB42DF4139}" type="datetime1">
               <a:rPr lang="sk-SK" noProof="0" smtClean="0"/>
-              <a:t>11. 12. 2022</a:t>
+              <a:t>12. 12. 2022</a:t>
             </a:fld>
             <a:endParaRPr lang="sk-SK" noProof="0"/>
           </a:p>
@@ -3176,7 +3179,7 @@
             <a:pPr rtl="0"/>
             <a:fld id="{519EFE45-1A7C-4F87-96E8-5DA7102CF957}" type="datetime1">
               <a:rPr lang="sk-SK" noProof="0" smtClean="0"/>
-              <a:t>11. 12. 2022</a:t>
+              <a:t>12. 12. 2022</a:t>
             </a:fld>
             <a:endParaRPr lang="sk-SK" noProof="0"/>
           </a:p>
@@ -3290,7 +3293,7 @@
             <a:pPr rtl="0"/>
             <a:fld id="{7CEBDDB3-D47A-49B1-AD64-374D6274874C}" type="datetime1">
               <a:rPr lang="sk-SK" noProof="0" smtClean="0"/>
-              <a:t>11. 12. 2022</a:t>
+              <a:t>12. 12. 2022</a:t>
             </a:fld>
             <a:endParaRPr lang="sk-SK" noProof="0"/>
           </a:p>
@@ -3585,7 +3588,7 @@
             <a:pPr rtl="0"/>
             <a:fld id="{44EBE143-4883-4E57-B71C-22B0A3F194AD}" type="datetime1">
               <a:rPr lang="sk-SK" noProof="0" smtClean="0"/>
-              <a:t>11. 12. 2022</a:t>
+              <a:t>12. 12. 2022</a:t>
             </a:fld>
             <a:endParaRPr lang="sk-SK" noProof="0"/>
           </a:p>
@@ -3861,7 +3864,7 @@
             <a:pPr rtl="0"/>
             <a:fld id="{DE71229E-A7A4-4527-876E-C7F988E51C49}" type="datetime1">
               <a:rPr lang="sk-SK" noProof="0" smtClean="0"/>
-              <a:t>11. 12. 2022</a:t>
+              <a:t>12. 12. 2022</a:t>
             </a:fld>
             <a:endParaRPr lang="sk-SK" noProof="0"/>
           </a:p>
@@ -4386,7 +4389,7 @@
             <a:pPr rtl="0"/>
             <a:fld id="{D2335BCF-79AA-4B52-BC78-F563D63EF4CD}" type="datetime1">
               <a:rPr lang="sk-SK" noProof="0" smtClean="0"/>
-              <a:t>11. 12. 2022</a:t>
+              <a:t>12. 12. 2022</a:t>
             </a:fld>
             <a:endParaRPr lang="sk-SK" noProof="0" dirty="0"/>
           </a:p>
@@ -4988,6 +4991,170 @@
 </p:sld>
 </file>
 
+<file path=ppt/slides/slide10.xml><?xml version="1.0" encoding="utf-8"?>
+<p:sld xmlns:a="http://schemas.openxmlformats.org/drawingml/2006/main" xmlns:r="http://schemas.openxmlformats.org/officeDocument/2006/relationships" xmlns:p="http://schemas.openxmlformats.org/presentationml/2006/main">
+  <p:cSld>
+    <p:spTree>
+      <p:nvGrpSpPr>
+        <p:cNvPr id="1" name=""/>
+        <p:cNvGrpSpPr/>
+        <p:nvPr/>
+      </p:nvGrpSpPr>
+      <p:grpSpPr>
+        <a:xfrm>
+          <a:off x="0" y="0"/>
+          <a:ext cx="0" cy="0"/>
+          <a:chOff x="0" y="0"/>
+          <a:chExt cx="0" cy="0"/>
+        </a:xfrm>
+      </p:grpSpPr>
+      <p:sp>
+        <p:nvSpPr>
+          <p:cNvPr id="2" name="Nadpis 1">
+            <a:extLst>
+              <a:ext uri="{FF2B5EF4-FFF2-40B4-BE49-F238E27FC236}">
+                <a16:creationId xmlns:a16="http://schemas.microsoft.com/office/drawing/2014/main" id="{D1B815FD-BF07-2DA2-07A6-E4C35BF4CE1E}"/>
+              </a:ext>
+            </a:extLst>
+          </p:cNvPr>
+          <p:cNvSpPr>
+            <a:spLocks noGrp="1"/>
+          </p:cNvSpPr>
+          <p:nvPr>
+            <p:ph type="title"/>
+          </p:nvPr>
+        </p:nvSpPr>
+        <p:spPr>
+          <a:xfrm>
+            <a:off x="2695575" y="2622550"/>
+            <a:ext cx="6800850" cy="1325563"/>
+          </a:xfrm>
+        </p:spPr>
+        <p:txBody>
+          <a:bodyPr/>
+          <a:lstStyle/>
+          <a:p>
+            <a:r>
+              <a:rPr lang="sk-SK" dirty="0"/>
+              <a:t>Ďakujeme za pozornosť</a:t>
+            </a:r>
+          </a:p>
+        </p:txBody>
+      </p:sp>
+      <p:pic>
+        <p:nvPicPr>
+          <p:cNvPr id="9" name="Obrázok 8" descr="Obrázok, na ktorom je mačkovitá šelma, vnútri, čierne, stojaci&#10;&#10;Automaticky generovaný popis">
+            <a:extLst>
+              <a:ext uri="{FF2B5EF4-FFF2-40B4-BE49-F238E27FC236}">
+                <a16:creationId xmlns:a16="http://schemas.microsoft.com/office/drawing/2014/main" id="{C07096FD-A0E7-7532-1D93-96FA95A34EE4}"/>
+              </a:ext>
+            </a:extLst>
+          </p:cNvPr>
+          <p:cNvPicPr>
+            <a:picLocks noChangeAspect="1"/>
+          </p:cNvPicPr>
+          <p:nvPr/>
+        </p:nvPicPr>
+        <p:blipFill>
+          <a:blip r:embed="rId2" cstate="print">
+            <a:extLst>
+              <a:ext uri="{28A0092B-C50C-407E-A947-70E740481C1C}">
+                <a14:useLocalDpi xmlns:a14="http://schemas.microsoft.com/office/drawing/2010/main" val="0"/>
+              </a:ext>
+            </a:extLst>
+          </a:blip>
+          <a:stretch>
+            <a:fillRect/>
+          </a:stretch>
+        </p:blipFill>
+        <p:spPr>
+          <a:xfrm>
+            <a:off x="0" y="3429000"/>
+            <a:ext cx="2571750" cy="3429000"/>
+          </a:xfrm>
+          <a:prstGeom prst="roundRect">
+            <a:avLst>
+              <a:gd name="adj" fmla="val 8594"/>
+            </a:avLst>
+          </a:prstGeom>
+          <a:solidFill>
+            <a:srgbClr val="FFFFFF">
+              <a:shade val="85000"/>
+            </a:srgbClr>
+          </a:solidFill>
+          <a:ln>
+            <a:noFill/>
+          </a:ln>
+          <a:effectLst>
+            <a:reflection blurRad="12700" stA="38000" endPos="28000" dist="5000" dir="5400000" sy="-100000" algn="bl" rotWithShape="0"/>
+          </a:effectLst>
+        </p:spPr>
+      </p:pic>
+      <p:pic>
+        <p:nvPicPr>
+          <p:cNvPr id="13" name="Obrázok 12" descr="Obrázok, na ktorom je mačkovitá šelma, sedenie, vnútri, mačka domáca&#10;&#10;Automaticky generovaný popis">
+            <a:extLst>
+              <a:ext uri="{FF2B5EF4-FFF2-40B4-BE49-F238E27FC236}">
+                <a16:creationId xmlns:a16="http://schemas.microsoft.com/office/drawing/2014/main" id="{1E456FE9-66A6-1CEA-57CD-986947D65A0C}"/>
+              </a:ext>
+            </a:extLst>
+          </p:cNvPr>
+          <p:cNvPicPr>
+            <a:picLocks noChangeAspect="1"/>
+          </p:cNvPicPr>
+          <p:nvPr/>
+        </p:nvPicPr>
+        <p:blipFill>
+          <a:blip r:embed="rId3" cstate="print">
+            <a:extLst>
+              <a:ext uri="{28A0092B-C50C-407E-A947-70E740481C1C}">
+                <a14:useLocalDpi xmlns:a14="http://schemas.microsoft.com/office/drawing/2010/main" val="0"/>
+              </a:ext>
+            </a:extLst>
+          </a:blip>
+          <a:stretch>
+            <a:fillRect/>
+          </a:stretch>
+        </p:blipFill>
+        <p:spPr>
+          <a:xfrm>
+            <a:off x="8483600" y="4076700"/>
+            <a:ext cx="3708400" cy="2781300"/>
+          </a:xfrm>
+          <a:prstGeom prst="roundRect">
+            <a:avLst>
+              <a:gd name="adj" fmla="val 8594"/>
+            </a:avLst>
+          </a:prstGeom>
+          <a:solidFill>
+            <a:srgbClr val="FFFFFF">
+              <a:shade val="85000"/>
+            </a:srgbClr>
+          </a:solidFill>
+          <a:ln>
+            <a:noFill/>
+          </a:ln>
+          <a:effectLst>
+            <a:reflection blurRad="12700" stA="38000" endPos="28000" dist="5000" dir="5400000" sy="-100000" algn="bl" rotWithShape="0"/>
+          </a:effectLst>
+        </p:spPr>
+      </p:pic>
+    </p:spTree>
+    <p:extLst>
+      <p:ext uri="{BB962C8B-B14F-4D97-AF65-F5344CB8AC3E}">
+        <p14:creationId xmlns:p14="http://schemas.microsoft.com/office/powerpoint/2010/main" val="3323750533"/>
+      </p:ext>
+    </p:extLst>
+  </p:cSld>
+  <p:clrMapOvr>
+    <a:masterClrMapping/>
+  </p:clrMapOvr>
+  <p:transition spd="slow">
+    <p:push dir="u"/>
+  </p:transition>
+</p:sld>
+</file>
+
 <file path=ppt/slides/slide2.xml><?xml version="1.0" encoding="utf-8"?>
 <p:sld xmlns:a="http://schemas.openxmlformats.org/drawingml/2006/main" xmlns:r="http://schemas.openxmlformats.org/officeDocument/2006/relationships" xmlns:p="http://schemas.openxmlformats.org/presentationml/2006/main">
   <p:cSld>
@@ -5024,9 +5191,26 @@
           <a:p>
             <a:pPr rtl="0"/>
             <a:r>
+              <a:rPr lang="sk-SK" dirty="0" err="1"/>
+              <a:t>Cat</a:t>
+            </a:r>
+            <a:r>
               <a:rPr lang="sk-SK" dirty="0"/>
-              <a:t>Mačací algoritmus</a:t>
-            </a:r>
+              <a:t> </a:t>
+            </a:r>
+            <a:r>
+              <a:rPr lang="sk-SK" dirty="0" err="1"/>
+              <a:t>Swarm</a:t>
+            </a:r>
+            <a:r>
+              <a:rPr lang="sk-SK" dirty="0"/>
+              <a:t> </a:t>
+            </a:r>
+            <a:r>
+              <a:rPr lang="sk-SK" dirty="0" err="1"/>
+              <a:t>Optimization</a:t>
+            </a:r>
+            <a:endParaRPr lang="sk-SK" dirty="0"/>
           </a:p>
         </p:txBody>
       </p:sp>
@@ -5185,18 +5369,9 @@
   <p:clrMapOvr>
     <a:masterClrMapping/>
   </p:clrMapOvr>
-  <mc:AlternateContent xmlns:mc="http://schemas.openxmlformats.org/markup-compatibility/2006" xmlns:p14="http://schemas.microsoft.com/office/powerpoint/2010/main">
-    <mc:Choice Requires="p14">
-      <p:transition spd="med" p14:dur="700">
-        <p:fade/>
-      </p:transition>
-    </mc:Choice>
-    <mc:Fallback xmlns="">
-      <p:transition spd="med">
-        <p:fade/>
-      </p:transition>
-    </mc:Fallback>
-  </mc:AlternateContent>
+  <p:transition spd="slow">
+    <p:push dir="u"/>
+  </p:transition>
 </p:sld>
 </file>
 
@@ -5292,18 +5467,9 @@
   <p:clrMapOvr>
     <a:masterClrMapping/>
   </p:clrMapOvr>
-  <mc:AlternateContent xmlns:mc="http://schemas.openxmlformats.org/markup-compatibility/2006" xmlns:p14="http://schemas.microsoft.com/office/powerpoint/2010/main">
-    <mc:Choice Requires="p14">
-      <p:transition spd="med" p14:dur="700">
-        <p:fade/>
-      </p:transition>
-    </mc:Choice>
-    <mc:Fallback xmlns="">
-      <p:transition spd="med">
-        <p:fade/>
-      </p:transition>
-    </mc:Fallback>
-  </mc:AlternateContent>
+  <p:transition spd="slow">
+    <p:push dir="u"/>
+  </p:transition>
 </p:sld>
 </file>
 
@@ -5638,18 +5804,9 @@
   <p:clrMapOvr>
     <a:masterClrMapping/>
   </p:clrMapOvr>
-  <mc:AlternateContent xmlns:mc="http://schemas.openxmlformats.org/markup-compatibility/2006" xmlns:p14="http://schemas.microsoft.com/office/powerpoint/2010/main">
-    <mc:Choice Requires="p14">
-      <p:transition spd="med" p14:dur="700">
-        <p:fade/>
-      </p:transition>
-    </mc:Choice>
-    <mc:Fallback xmlns="">
-      <p:transition spd="med">
-        <p:fade/>
-      </p:transition>
-    </mc:Fallback>
-  </mc:AlternateContent>
+  <p:transition spd="slow">
+    <p:push dir="u"/>
+  </p:transition>
 </p:sld>
 </file>
 
@@ -5711,8 +5868,8 @@
           </a:p>
         </p:txBody>
       </p:sp>
-      <mc:AlternateContent xmlns:mc="http://schemas.openxmlformats.org/markup-compatibility/2006">
-        <mc:Choice xmlns:a14="http://schemas.microsoft.com/office/drawing/2010/main" Requires="a14">
+      <mc:AlternateContent xmlns:mc="http://schemas.openxmlformats.org/markup-compatibility/2006" xmlns:a14="http://schemas.microsoft.com/office/drawing/2010/main">
+        <mc:Choice Requires="a14">
           <p:sp>
             <p:nvSpPr>
               <p:cNvPr id="3" name="Zástupný objekt pre obsah 2">
@@ -6504,7 +6661,7 @@
             </p:txBody>
           </p:sp>
         </mc:Choice>
-        <mc:Fallback>
+        <mc:Fallback xmlns="">
           <p:sp>
             <p:nvSpPr>
               <p:cNvPr id="3" name="Zástupný objekt pre obsah 2">
@@ -6554,18 +6711,9 @@
   <p:clrMapOvr>
     <a:masterClrMapping/>
   </p:clrMapOvr>
-  <mc:AlternateContent xmlns:mc="http://schemas.openxmlformats.org/markup-compatibility/2006" xmlns:p14="http://schemas.microsoft.com/office/powerpoint/2010/main">
-    <mc:Choice Requires="p14">
-      <p:transition spd="med" p14:dur="700">
-        <p:fade/>
-      </p:transition>
-    </mc:Choice>
-    <mc:Fallback xmlns="">
-      <p:transition spd="med">
-        <p:fade/>
-      </p:transition>
-    </mc:Fallback>
-  </mc:AlternateContent>
+  <p:transition spd="slow">
+    <p:push dir="u"/>
+  </p:transition>
 </p:sld>
 </file>
 
@@ -6626,8 +6774,8 @@
           </a:p>
         </p:txBody>
       </p:sp>
-      <mc:AlternateContent xmlns:mc="http://schemas.openxmlformats.org/markup-compatibility/2006">
-        <mc:Choice xmlns:a14="http://schemas.microsoft.com/office/drawing/2010/main" Requires="a14">
+      <mc:AlternateContent xmlns:mc="http://schemas.openxmlformats.org/markup-compatibility/2006" xmlns:a14="http://schemas.microsoft.com/office/drawing/2010/main">
+        <mc:Choice Requires="a14">
           <p:sp>
             <p:nvSpPr>
               <p:cNvPr id="3" name="Zástupný objekt pre obsah 2">
@@ -6700,103 +6848,141 @@
                       <m:sSub>
                         <m:sSubPr>
                           <m:ctrlPr>
-                            <a:rPr lang="sk-SK" sz="2400"/>
+                            <a:rPr lang="sk-SK" sz="2400" i="1">
+                              <a:latin typeface="Cambria Math" panose="02040503050406030204" pitchFamily="18" charset="0"/>
+                            </a:rPr>
                           </m:ctrlPr>
                         </m:sSubPr>
                         <m:e>
                           <m:r>
-                            <a:rPr lang="sk-SK" sz="2400"/>
+                            <a:rPr lang="sk-SK" sz="2400">
+                              <a:latin typeface="Cambria Math" panose="02040503050406030204" pitchFamily="18" charset="0"/>
+                            </a:rPr>
                             <m:t>𝑣</m:t>
                           </m:r>
                         </m:e>
                         <m:sub>
                           <m:r>
-                            <a:rPr lang="sk-SK" sz="2400"/>
+                            <a:rPr lang="sk-SK" sz="2400">
+                              <a:latin typeface="Cambria Math" panose="02040503050406030204" pitchFamily="18" charset="0"/>
+                            </a:rPr>
                             <m:t>𝑘</m:t>
                           </m:r>
                           <m:r>
-                            <a:rPr lang="sk-SK" sz="2400"/>
+                            <a:rPr lang="sk-SK" sz="2400">
+                              <a:latin typeface="Cambria Math" panose="02040503050406030204" pitchFamily="18" charset="0"/>
+                            </a:rPr>
                             <m:t>,</m:t>
                           </m:r>
                           <m:r>
-                            <a:rPr lang="sk-SK" sz="2400"/>
+                            <a:rPr lang="sk-SK" sz="2400">
+                              <a:latin typeface="Cambria Math" panose="02040503050406030204" pitchFamily="18" charset="0"/>
+                            </a:rPr>
                             <m:t>𝑑</m:t>
                           </m:r>
                         </m:sub>
                       </m:sSub>
                       <m:r>
-                        <a:rPr lang="sk-SK" sz="2400"/>
+                        <a:rPr lang="sk-SK" sz="2400">
+                          <a:latin typeface="Cambria Math" panose="02040503050406030204" pitchFamily="18" charset="0"/>
+                        </a:rPr>
                         <m:t> = </m:t>
                       </m:r>
                       <m:sSub>
                         <m:sSubPr>
                           <m:ctrlPr>
-                            <a:rPr lang="sk-SK" sz="2400"/>
+                            <a:rPr lang="sk-SK" sz="2400" i="1">
+                              <a:latin typeface="Cambria Math" panose="02040503050406030204" pitchFamily="18" charset="0"/>
+                            </a:rPr>
                           </m:ctrlPr>
                         </m:sSubPr>
                         <m:e>
                           <m:r>
-                            <a:rPr lang="sk-SK" sz="2400"/>
+                            <a:rPr lang="sk-SK" sz="2400">
+                              <a:latin typeface="Cambria Math" panose="02040503050406030204" pitchFamily="18" charset="0"/>
+                            </a:rPr>
                             <m:t>𝑣</m:t>
                           </m:r>
                         </m:e>
                         <m:sub>
                           <m:r>
-                            <a:rPr lang="sk-SK" sz="2400"/>
+                            <a:rPr lang="sk-SK" sz="2400">
+                              <a:latin typeface="Cambria Math" panose="02040503050406030204" pitchFamily="18" charset="0"/>
+                            </a:rPr>
                             <m:t>𝑘</m:t>
                           </m:r>
                           <m:r>
-                            <a:rPr lang="sk-SK" sz="2400"/>
+                            <a:rPr lang="sk-SK" sz="2400">
+                              <a:latin typeface="Cambria Math" panose="02040503050406030204" pitchFamily="18" charset="0"/>
+                            </a:rPr>
                             <m:t>,</m:t>
                           </m:r>
                           <m:r>
-                            <a:rPr lang="sk-SK" sz="2400"/>
+                            <a:rPr lang="sk-SK" sz="2400">
+                              <a:latin typeface="Cambria Math" panose="02040503050406030204" pitchFamily="18" charset="0"/>
+                            </a:rPr>
                             <m:t>𝑑</m:t>
                           </m:r>
                         </m:sub>
                       </m:sSub>
                       <m:r>
-                        <a:rPr lang="sk-SK" sz="2400"/>
+                        <a:rPr lang="sk-SK" sz="2400">
+                          <a:latin typeface="Cambria Math" panose="02040503050406030204" pitchFamily="18" charset="0"/>
+                        </a:rPr>
                         <m:t>+ </m:t>
                       </m:r>
                       <m:sSub>
                         <m:sSubPr>
                           <m:ctrlPr>
-                            <a:rPr lang="sk-SK" sz="2400"/>
+                            <a:rPr lang="sk-SK" sz="2400" i="1">
+                              <a:latin typeface="Cambria Math" panose="02040503050406030204" pitchFamily="18" charset="0"/>
+                            </a:rPr>
                           </m:ctrlPr>
                         </m:sSubPr>
                         <m:e>
                           <m:r>
-                            <a:rPr lang="sk-SK" sz="2400"/>
+                            <a:rPr lang="sk-SK" sz="2400">
+                              <a:latin typeface="Cambria Math" panose="02040503050406030204" pitchFamily="18" charset="0"/>
+                            </a:rPr>
                             <m:t>𝑟</m:t>
                           </m:r>
                         </m:e>
                         <m:sub>
                           <m:r>
-                            <a:rPr lang="sk-SK" sz="2400"/>
+                            <a:rPr lang="sk-SK" sz="2400">
+                              <a:latin typeface="Cambria Math" panose="02040503050406030204" pitchFamily="18" charset="0"/>
+                            </a:rPr>
                             <m:t>1</m:t>
                           </m:r>
                         </m:sub>
                       </m:sSub>
                       <m:r>
-                        <a:rPr lang="sk-SK" sz="2400"/>
+                        <a:rPr lang="sk-SK" sz="2400">
+                          <a:latin typeface="Cambria Math" panose="02040503050406030204" pitchFamily="18" charset="0"/>
+                        </a:rPr>
                         <m:t> × </m:t>
                       </m:r>
                       <m:sSub>
                         <m:sSubPr>
                           <m:ctrlPr>
-                            <a:rPr lang="sk-SK" sz="2400"/>
+                            <a:rPr lang="sk-SK" sz="2400" i="1">
+                              <a:latin typeface="Cambria Math" panose="02040503050406030204" pitchFamily="18" charset="0"/>
+                            </a:rPr>
                           </m:ctrlPr>
                         </m:sSubPr>
                         <m:e>
                           <m:r>
-                            <a:rPr lang="sk-SK" sz="2400"/>
+                            <a:rPr lang="sk-SK" sz="2400">
+                              <a:latin typeface="Cambria Math" panose="02040503050406030204" pitchFamily="18" charset="0"/>
+                            </a:rPr>
                             <m:t>𝑐</m:t>
                           </m:r>
                         </m:e>
                         <m:sub>
                           <m:r>
-                            <a:rPr lang="sk-SK" sz="2400"/>
+                            <a:rPr lang="sk-SK" sz="2400">
+                              <a:latin typeface="Cambria Math" panose="02040503050406030204" pitchFamily="18" charset="0"/>
+                            </a:rPr>
                             <m:t>1</m:t>
                           </m:r>
                         </m:sub>
@@ -6804,64 +6990,88 @@
                       <m:d>
                         <m:dPr>
                           <m:ctrlPr>
-                            <a:rPr lang="sk-SK" sz="2400"/>
+                            <a:rPr lang="sk-SK" sz="2400" i="1">
+                              <a:latin typeface="Cambria Math" panose="02040503050406030204" pitchFamily="18" charset="0"/>
+                            </a:rPr>
                           </m:ctrlPr>
                         </m:dPr>
                         <m:e>
                           <m:sSub>
                             <m:sSubPr>
                               <m:ctrlPr>
-                                <a:rPr lang="sk-SK" sz="2400"/>
+                                <a:rPr lang="sk-SK" sz="2400" i="1">
+                                  <a:latin typeface="Cambria Math" panose="02040503050406030204" pitchFamily="18" charset="0"/>
+                                </a:rPr>
                               </m:ctrlPr>
                             </m:sSubPr>
                             <m:e>
                               <m:r>
-                                <a:rPr lang="sk-SK" sz="2400"/>
+                                <a:rPr lang="sk-SK" sz="2400">
+                                  <a:latin typeface="Cambria Math" panose="02040503050406030204" pitchFamily="18" charset="0"/>
+                                </a:rPr>
                                 <m:t>𝑋</m:t>
                               </m:r>
                             </m:e>
                             <m:sub>
                               <m:r>
-                                <a:rPr lang="sk-SK" sz="2400"/>
+                                <a:rPr lang="sk-SK" sz="2400">
+                                  <a:latin typeface="Cambria Math" panose="02040503050406030204" pitchFamily="18" charset="0"/>
+                                </a:rPr>
                                 <m:t>𝑏𝑒𝑠𝑡</m:t>
                               </m:r>
                               <m:r>
-                                <a:rPr lang="sk-SK" sz="2400"/>
+                                <a:rPr lang="sk-SK" sz="2400">
+                                  <a:latin typeface="Cambria Math" panose="02040503050406030204" pitchFamily="18" charset="0"/>
+                                </a:rPr>
                                 <m:t>, </m:t>
                               </m:r>
                               <m:r>
-                                <a:rPr lang="sk-SK" sz="2400"/>
+                                <a:rPr lang="sk-SK" sz="2400">
+                                  <a:latin typeface="Cambria Math" panose="02040503050406030204" pitchFamily="18" charset="0"/>
+                                </a:rPr>
                                 <m:t>𝑑</m:t>
                               </m:r>
                             </m:sub>
                           </m:sSub>
                           <m:r>
-                            <a:rPr lang="sk-SK" sz="2400"/>
+                            <a:rPr lang="sk-SK" sz="2400">
+                              <a:latin typeface="Cambria Math" panose="02040503050406030204" pitchFamily="18" charset="0"/>
+                            </a:rPr>
                             <m:t>− </m:t>
                           </m:r>
                           <m:sSub>
                             <m:sSubPr>
                               <m:ctrlPr>
-                                <a:rPr lang="sk-SK" sz="2400"/>
+                                <a:rPr lang="sk-SK" sz="2400" i="1">
+                                  <a:latin typeface="Cambria Math" panose="02040503050406030204" pitchFamily="18" charset="0"/>
+                                </a:rPr>
                               </m:ctrlPr>
                             </m:sSubPr>
                             <m:e>
                               <m:r>
-                                <a:rPr lang="sk-SK" sz="2400"/>
+                                <a:rPr lang="sk-SK" sz="2400">
+                                  <a:latin typeface="Cambria Math" panose="02040503050406030204" pitchFamily="18" charset="0"/>
+                                </a:rPr>
                                 <m:t>𝑋</m:t>
                               </m:r>
                             </m:e>
                             <m:sub>
                               <m:r>
-                                <a:rPr lang="sk-SK" sz="2400"/>
+                                <a:rPr lang="sk-SK" sz="2400">
+                                  <a:latin typeface="Cambria Math" panose="02040503050406030204" pitchFamily="18" charset="0"/>
+                                </a:rPr>
                                 <m:t>𝑘</m:t>
                               </m:r>
                               <m:r>
-                                <a:rPr lang="sk-SK" sz="2400"/>
+                                <a:rPr lang="sk-SK" sz="2400">
+                                  <a:latin typeface="Cambria Math" panose="02040503050406030204" pitchFamily="18" charset="0"/>
+                                </a:rPr>
                                 <m:t>,</m:t>
                               </m:r>
                               <m:r>
-                                <a:rPr lang="sk-SK" sz="2400"/>
+                                <a:rPr lang="sk-SK" sz="2400">
+                                  <a:latin typeface="Cambria Math" panose="02040503050406030204" pitchFamily="18" charset="0"/>
+                                </a:rPr>
                                 <m:t>𝑑</m:t>
                               </m:r>
                             </m:sub>
@@ -7023,8 +7233,8 @@
                       <m:sSub>
                         <m:sSubPr>
                           <m:ctrlPr>
-                            <a:rPr lang="sk-SK" sz="2400">
-                              <a:latin typeface="Calibri" panose="020F0502020204030204" pitchFamily="34" charset="0"/>
+                            <a:rPr lang="sk-SK" sz="2400" i="1">
+                              <a:latin typeface="Cambria Math" panose="02040503050406030204" pitchFamily="18" charset="0"/>
                               <a:cs typeface="Times New Roman" panose="02020603050405020304" pitchFamily="18" charset="0"/>
                             </a:rPr>
                           </m:ctrlPr>
@@ -7032,7 +7242,7 @@
                         <m:e>
                           <m:r>
                             <a:rPr lang="sk-SK" sz="2400">
-                              <a:latin typeface="Calibri" panose="020F0502020204030204" pitchFamily="34" charset="0"/>
+                              <a:latin typeface="Cambria Math" panose="02040503050406030204" pitchFamily="18" charset="0"/>
                               <a:cs typeface="Times New Roman" panose="02020603050405020304" pitchFamily="18" charset="0"/>
                             </a:rPr>
                             <m:t>𝑋</m:t>
@@ -7041,35 +7251,35 @@
                         <m:sub>
                           <m:r>
                             <a:rPr lang="sk-SK" sz="2400">
-                              <a:latin typeface="Calibri" panose="020F0502020204030204" pitchFamily="34" charset="0"/>
+                              <a:latin typeface="Cambria Math" panose="02040503050406030204" pitchFamily="18" charset="0"/>
                               <a:cs typeface="Times New Roman" panose="02020603050405020304" pitchFamily="18" charset="0"/>
                             </a:rPr>
                             <m:t>𝑘</m:t>
                           </m:r>
                           <m:r>
                             <a:rPr lang="sk-SK" sz="2400">
-                              <a:latin typeface="Calibri" panose="020F0502020204030204" pitchFamily="34" charset="0"/>
+                              <a:latin typeface="Cambria Math" panose="02040503050406030204" pitchFamily="18" charset="0"/>
                               <a:cs typeface="Times New Roman" panose="02020603050405020304" pitchFamily="18" charset="0"/>
                             </a:rPr>
                             <m:t>,</m:t>
                           </m:r>
                           <m:r>
                             <a:rPr lang="sk-SK" sz="2400">
-                              <a:latin typeface="Calibri" panose="020F0502020204030204" pitchFamily="34" charset="0"/>
+                              <a:latin typeface="Cambria Math" panose="02040503050406030204" pitchFamily="18" charset="0"/>
                               <a:cs typeface="Times New Roman" panose="02020603050405020304" pitchFamily="18" charset="0"/>
                             </a:rPr>
                             <m:t>𝑑</m:t>
                           </m:r>
                           <m:r>
                             <a:rPr lang="sk-SK" sz="2400">
-                              <a:latin typeface="Calibri" panose="020F0502020204030204" pitchFamily="34" charset="0"/>
+                              <a:latin typeface="Cambria Math" panose="02040503050406030204" pitchFamily="18" charset="0"/>
                               <a:cs typeface="Times New Roman" panose="02020603050405020304" pitchFamily="18" charset="0"/>
                             </a:rPr>
                             <m:t>,</m:t>
                           </m:r>
                           <m:r>
                             <a:rPr lang="sk-SK" sz="2400">
-                              <a:latin typeface="Calibri" panose="020F0502020204030204" pitchFamily="34" charset="0"/>
+                              <a:latin typeface="Cambria Math" panose="02040503050406030204" pitchFamily="18" charset="0"/>
                               <a:cs typeface="Times New Roman" panose="02020603050405020304" pitchFamily="18" charset="0"/>
                             </a:rPr>
                             <m:t>𝑛𝑒𝑤</m:t>
@@ -7078,7 +7288,7 @@
                       </m:sSub>
                       <m:r>
                         <a:rPr lang="sk-SK" sz="2400">
-                          <a:latin typeface="Calibri" panose="020F0502020204030204" pitchFamily="34" charset="0"/>
+                          <a:latin typeface="Cambria Math" panose="02040503050406030204" pitchFamily="18" charset="0"/>
                           <a:cs typeface="Times New Roman" panose="02020603050405020304" pitchFamily="18" charset="0"/>
                         </a:rPr>
                         <m:t> = </m:t>
@@ -7086,8 +7296,8 @@
                       <m:sSub>
                         <m:sSubPr>
                           <m:ctrlPr>
-                            <a:rPr lang="sk-SK" sz="2400">
-                              <a:latin typeface="Calibri" panose="020F0502020204030204" pitchFamily="34" charset="0"/>
+                            <a:rPr lang="sk-SK" sz="2400" i="1">
+                              <a:latin typeface="Cambria Math" panose="02040503050406030204" pitchFamily="18" charset="0"/>
                               <a:cs typeface="Times New Roman" panose="02020603050405020304" pitchFamily="18" charset="0"/>
                             </a:rPr>
                           </m:ctrlPr>
@@ -7095,7 +7305,7 @@
                         <m:e>
                           <m:r>
                             <a:rPr lang="sk-SK" sz="2400">
-                              <a:latin typeface="Calibri" panose="020F0502020204030204" pitchFamily="34" charset="0"/>
+                              <a:latin typeface="Cambria Math" panose="02040503050406030204" pitchFamily="18" charset="0"/>
                               <a:cs typeface="Times New Roman" panose="02020603050405020304" pitchFamily="18" charset="0"/>
                             </a:rPr>
                             <m:t>𝑋</m:t>
@@ -7104,35 +7314,35 @@
                         <m:sub>
                           <m:r>
                             <a:rPr lang="sk-SK" sz="2400">
-                              <a:latin typeface="Calibri" panose="020F0502020204030204" pitchFamily="34" charset="0"/>
+                              <a:latin typeface="Cambria Math" panose="02040503050406030204" pitchFamily="18" charset="0"/>
                               <a:cs typeface="Times New Roman" panose="02020603050405020304" pitchFamily="18" charset="0"/>
                             </a:rPr>
                             <m:t>𝑘</m:t>
                           </m:r>
                           <m:r>
                             <a:rPr lang="sk-SK" sz="2400">
-                              <a:latin typeface="Calibri" panose="020F0502020204030204" pitchFamily="34" charset="0"/>
+                              <a:latin typeface="Cambria Math" panose="02040503050406030204" pitchFamily="18" charset="0"/>
                               <a:cs typeface="Times New Roman" panose="02020603050405020304" pitchFamily="18" charset="0"/>
                             </a:rPr>
                             <m:t>,</m:t>
                           </m:r>
                           <m:r>
                             <a:rPr lang="sk-SK" sz="2400">
-                              <a:latin typeface="Calibri" panose="020F0502020204030204" pitchFamily="34" charset="0"/>
+                              <a:latin typeface="Cambria Math" panose="02040503050406030204" pitchFamily="18" charset="0"/>
                               <a:cs typeface="Times New Roman" panose="02020603050405020304" pitchFamily="18" charset="0"/>
                             </a:rPr>
                             <m:t>𝑑</m:t>
                           </m:r>
                           <m:r>
                             <a:rPr lang="sk-SK" sz="2400">
-                              <a:latin typeface="Calibri" panose="020F0502020204030204" pitchFamily="34" charset="0"/>
+                              <a:latin typeface="Cambria Math" panose="02040503050406030204" pitchFamily="18" charset="0"/>
                               <a:cs typeface="Times New Roman" panose="02020603050405020304" pitchFamily="18" charset="0"/>
                             </a:rPr>
                             <m:t>,</m:t>
                           </m:r>
                           <m:r>
                             <a:rPr lang="sk-SK" sz="2400">
-                              <a:latin typeface="Calibri" panose="020F0502020204030204" pitchFamily="34" charset="0"/>
+                              <a:latin typeface="Cambria Math" panose="02040503050406030204" pitchFamily="18" charset="0"/>
                               <a:cs typeface="Times New Roman" panose="02020603050405020304" pitchFamily="18" charset="0"/>
                             </a:rPr>
                             <m:t>𝑜𝑙𝑑</m:t>
@@ -7141,7 +7351,7 @@
                       </m:sSub>
                       <m:r>
                         <a:rPr lang="sk-SK" sz="2400">
-                          <a:latin typeface="Calibri" panose="020F0502020204030204" pitchFamily="34" charset="0"/>
+                          <a:latin typeface="Cambria Math" panose="02040503050406030204" pitchFamily="18" charset="0"/>
                           <a:cs typeface="Times New Roman" panose="02020603050405020304" pitchFamily="18" charset="0"/>
                         </a:rPr>
                         <m:t>+ </m:t>
@@ -7149,8 +7359,8 @@
                       <m:sSub>
                         <m:sSubPr>
                           <m:ctrlPr>
-                            <a:rPr lang="sk-SK" sz="2400">
-                              <a:latin typeface="Calibri" panose="020F0502020204030204" pitchFamily="34" charset="0"/>
+                            <a:rPr lang="sk-SK" sz="2400" i="1">
+                              <a:latin typeface="Cambria Math" panose="02040503050406030204" pitchFamily="18" charset="0"/>
                               <a:cs typeface="Times New Roman" panose="02020603050405020304" pitchFamily="18" charset="0"/>
                             </a:rPr>
                           </m:ctrlPr>
@@ -7158,7 +7368,7 @@
                         <m:e>
                           <m:r>
                             <a:rPr lang="sk-SK" sz="2400">
-                              <a:latin typeface="Calibri" panose="020F0502020204030204" pitchFamily="34" charset="0"/>
+                              <a:latin typeface="Cambria Math" panose="02040503050406030204" pitchFamily="18" charset="0"/>
                               <a:cs typeface="Times New Roman" panose="02020603050405020304" pitchFamily="18" charset="0"/>
                             </a:rPr>
                             <m:t>𝑣</m:t>
@@ -7167,21 +7377,21 @@
                         <m:sub>
                           <m:r>
                             <a:rPr lang="sk-SK" sz="2400">
-                              <a:latin typeface="Calibri" panose="020F0502020204030204" pitchFamily="34" charset="0"/>
+                              <a:latin typeface="Cambria Math" panose="02040503050406030204" pitchFamily="18" charset="0"/>
                               <a:cs typeface="Times New Roman" panose="02020603050405020304" pitchFamily="18" charset="0"/>
                             </a:rPr>
                             <m:t>𝑘</m:t>
                           </m:r>
                           <m:r>
                             <a:rPr lang="sk-SK" sz="2400">
-                              <a:latin typeface="Calibri" panose="020F0502020204030204" pitchFamily="34" charset="0"/>
+                              <a:latin typeface="Cambria Math" panose="02040503050406030204" pitchFamily="18" charset="0"/>
                               <a:cs typeface="Times New Roman" panose="02020603050405020304" pitchFamily="18" charset="0"/>
                             </a:rPr>
                             <m:t>,</m:t>
                           </m:r>
                           <m:r>
                             <a:rPr lang="sk-SK" sz="2400">
-                              <a:latin typeface="Calibri" panose="020F0502020204030204" pitchFamily="34" charset="0"/>
+                              <a:latin typeface="Cambria Math" panose="02040503050406030204" pitchFamily="18" charset="0"/>
                               <a:cs typeface="Times New Roman" panose="02020603050405020304" pitchFamily="18" charset="0"/>
                             </a:rPr>
                             <m:t>𝑑</m:t>
@@ -7202,7 +7412,7 @@
             </p:txBody>
           </p:sp>
         </mc:Choice>
-        <mc:Fallback>
+        <mc:Fallback xmlns="">
           <p:sp>
             <p:nvSpPr>
               <p:cNvPr id="3" name="Zástupný objekt pre obsah 2">
@@ -7252,18 +7462,9 @@
   <p:clrMapOvr>
     <a:masterClrMapping/>
   </p:clrMapOvr>
-  <mc:AlternateContent xmlns:mc="http://schemas.openxmlformats.org/markup-compatibility/2006" xmlns:p14="http://schemas.microsoft.com/office/powerpoint/2010/main">
-    <mc:Choice Requires="p14">
-      <p:transition spd="med" p14:dur="700">
-        <p:fade/>
-      </p:transition>
-    </mc:Choice>
-    <mc:Fallback xmlns="">
-      <p:transition spd="med">
-        <p:fade/>
-      </p:transition>
-    </mc:Fallback>
-  </mc:AlternateContent>
+  <p:transition spd="slow">
+    <p:push dir="u"/>
+  </p:transition>
 </p:sld>
 </file>
 
@@ -7307,36 +7508,59 @@
           <a:p>
             <a:r>
               <a:rPr lang="sk-SK" dirty="0"/>
-              <a:t>Experimenty</a:t>
-            </a:r>
-          </a:p>
-        </p:txBody>
-      </p:sp>
-      <p:sp>
-        <p:nvSpPr>
-          <p:cNvPr id="3" name="Zástupný objekt pre obsah 2">
+              <a:t>Experimenty – MR </a:t>
+            </a:r>
+            <a:r>
+              <a:rPr lang="en-US" dirty="0"/>
+              <a:t>= 0</a:t>
+            </a:r>
+            <a:endParaRPr lang="sk-SK" dirty="0"/>
+          </a:p>
+        </p:txBody>
+      </p:sp>
+      <p:pic>
+        <p:nvPicPr>
+          <p:cNvPr id="4" name="Zástupný objekt pre obsah 3" descr="Obrázok, na ktorom je text&#10;&#10;Automaticky generovaný popis">
             <a:extLst>
               <a:ext uri="{FF2B5EF4-FFF2-40B4-BE49-F238E27FC236}">
-                <a16:creationId xmlns:a16="http://schemas.microsoft.com/office/drawing/2014/main" id="{A96E8977-7623-FD97-D13B-999C799F35F9}"/>
+                <a16:creationId xmlns:a16="http://schemas.microsoft.com/office/drawing/2014/main" id="{36CB3483-DC6E-7DEE-1EBF-5A37AD645830}"/>
               </a:ext>
             </a:extLst>
           </p:cNvPr>
-          <p:cNvSpPr>
-            <a:spLocks noGrp="1"/>
-          </p:cNvSpPr>
+          <p:cNvPicPr>
+            <a:picLocks noGrp="1" noChangeAspect="1"/>
+          </p:cNvPicPr>
           <p:nvPr>
             <p:ph idx="1"/>
           </p:nvPr>
-        </p:nvSpPr>
-        <p:spPr/>
-        <p:txBody>
-          <a:bodyPr/>
-          <a:lstStyle/>
-          <a:p>
-            <a:endParaRPr lang="sk-SK"/>
-          </a:p>
-        </p:txBody>
-      </p:sp>
+        </p:nvPicPr>
+        <p:blipFill>
+          <a:blip r:embed="rId2" cstate="print">
+            <a:extLst>
+              <a:ext uri="{28A0092B-C50C-407E-A947-70E740481C1C}">
+                <a14:useLocalDpi xmlns:a14="http://schemas.microsoft.com/office/drawing/2010/main" val="0"/>
+              </a:ext>
+            </a:extLst>
+          </a:blip>
+          <a:srcRect/>
+          <a:stretch>
+            <a:fillRect/>
+          </a:stretch>
+        </p:blipFill>
+        <p:spPr bwMode="auto">
+          <a:xfrm>
+            <a:off x="838200" y="2413972"/>
+            <a:ext cx="10515600" cy="2695386"/>
+          </a:xfrm>
+          <a:prstGeom prst="rect">
+            <a:avLst/>
+          </a:prstGeom>
+          <a:noFill/>
+          <a:ln>
+            <a:noFill/>
+          </a:ln>
+        </p:spPr>
+      </p:pic>
     </p:spTree>
     <p:extLst>
       <p:ext uri="{BB962C8B-B14F-4D97-AF65-F5344CB8AC3E}">
@@ -7347,18 +7571,227 @@
   <p:clrMapOvr>
     <a:masterClrMapping/>
   </p:clrMapOvr>
-  <mc:AlternateContent xmlns:mc="http://schemas.openxmlformats.org/markup-compatibility/2006" xmlns:p14="http://schemas.microsoft.com/office/powerpoint/2010/main">
-    <mc:Choice Requires="p14">
-      <p:transition spd="med" p14:dur="700">
-        <p:fade/>
-      </p:transition>
-    </mc:Choice>
-    <mc:Fallback xmlns="">
-      <p:transition spd="med">
-        <p:fade/>
-      </p:transition>
-    </mc:Fallback>
-  </mc:AlternateContent>
+  <p:transition spd="slow">
+    <p:push dir="u"/>
+  </p:transition>
+</p:sld>
+</file>
+
+<file path=ppt/slides/slide8.xml><?xml version="1.0" encoding="utf-8"?>
+<p:sld xmlns:a="http://schemas.openxmlformats.org/drawingml/2006/main" xmlns:r="http://schemas.openxmlformats.org/officeDocument/2006/relationships" xmlns:p="http://schemas.openxmlformats.org/presentationml/2006/main">
+  <p:cSld>
+    <p:spTree>
+      <p:nvGrpSpPr>
+        <p:cNvPr id="1" name=""/>
+        <p:cNvGrpSpPr/>
+        <p:nvPr/>
+      </p:nvGrpSpPr>
+      <p:grpSpPr>
+        <a:xfrm>
+          <a:off x="0" y="0"/>
+          <a:ext cx="0" cy="0"/>
+          <a:chOff x="0" y="0"/>
+          <a:chExt cx="0" cy="0"/>
+        </a:xfrm>
+      </p:grpSpPr>
+      <p:sp>
+        <p:nvSpPr>
+          <p:cNvPr id="2" name="Nadpis 1">
+            <a:extLst>
+              <a:ext uri="{FF2B5EF4-FFF2-40B4-BE49-F238E27FC236}">
+                <a16:creationId xmlns:a16="http://schemas.microsoft.com/office/drawing/2014/main" id="{4C2AF819-DA92-3A0D-965E-1E9CCF7CC55F}"/>
+              </a:ext>
+            </a:extLst>
+          </p:cNvPr>
+          <p:cNvSpPr>
+            <a:spLocks noGrp="1"/>
+          </p:cNvSpPr>
+          <p:nvPr>
+            <p:ph type="title"/>
+          </p:nvPr>
+        </p:nvSpPr>
+        <p:spPr/>
+        <p:txBody>
+          <a:bodyPr/>
+          <a:lstStyle/>
+          <a:p>
+            <a:r>
+              <a:rPr lang="sk-SK" dirty="0"/>
+              <a:t>Experimenty – MR </a:t>
+            </a:r>
+            <a:r>
+              <a:rPr lang="en-US" dirty="0"/>
+              <a:t>= 1</a:t>
+            </a:r>
+            <a:endParaRPr lang="sk-SK" dirty="0"/>
+          </a:p>
+        </p:txBody>
+      </p:sp>
+      <p:pic>
+        <p:nvPicPr>
+          <p:cNvPr id="4" name="Zástupný objekt pre obsah 3" descr="Obrázok, na ktorom je text&#10;&#10;Automaticky generovaný popis">
+            <a:extLst>
+              <a:ext uri="{FF2B5EF4-FFF2-40B4-BE49-F238E27FC236}">
+                <a16:creationId xmlns:a16="http://schemas.microsoft.com/office/drawing/2014/main" id="{3BF275EE-6ADB-6727-32FB-8D88171107F2}"/>
+              </a:ext>
+            </a:extLst>
+          </p:cNvPr>
+          <p:cNvPicPr>
+            <a:picLocks noGrp="1" noChangeAspect="1"/>
+          </p:cNvPicPr>
+          <p:nvPr>
+            <p:ph idx="1"/>
+          </p:nvPr>
+        </p:nvPicPr>
+        <p:blipFill>
+          <a:blip r:embed="rId2" cstate="print">
+            <a:extLst>
+              <a:ext uri="{28A0092B-C50C-407E-A947-70E740481C1C}">
+                <a14:useLocalDpi xmlns:a14="http://schemas.microsoft.com/office/drawing/2010/main" val="0"/>
+              </a:ext>
+            </a:extLst>
+          </a:blip>
+          <a:srcRect/>
+          <a:stretch>
+            <a:fillRect/>
+          </a:stretch>
+        </p:blipFill>
+        <p:spPr bwMode="auto">
+          <a:xfrm>
+            <a:off x="838200" y="2597743"/>
+            <a:ext cx="10515600" cy="2540402"/>
+          </a:xfrm>
+          <a:prstGeom prst="rect">
+            <a:avLst/>
+          </a:prstGeom>
+          <a:noFill/>
+          <a:ln>
+            <a:noFill/>
+          </a:ln>
+        </p:spPr>
+      </p:pic>
+    </p:spTree>
+    <p:extLst>
+      <p:ext uri="{BB962C8B-B14F-4D97-AF65-F5344CB8AC3E}">
+        <p14:creationId xmlns:p14="http://schemas.microsoft.com/office/powerpoint/2010/main" val="3118085638"/>
+      </p:ext>
+    </p:extLst>
+  </p:cSld>
+  <p:clrMapOvr>
+    <a:masterClrMapping/>
+  </p:clrMapOvr>
+  <p:transition spd="slow">
+    <p:push dir="u"/>
+  </p:transition>
+</p:sld>
+</file>
+
+<file path=ppt/slides/slide9.xml><?xml version="1.0" encoding="utf-8"?>
+<p:sld xmlns:a="http://schemas.openxmlformats.org/drawingml/2006/main" xmlns:r="http://schemas.openxmlformats.org/officeDocument/2006/relationships" xmlns:p="http://schemas.openxmlformats.org/presentationml/2006/main">
+  <p:cSld>
+    <p:spTree>
+      <p:nvGrpSpPr>
+        <p:cNvPr id="1" name=""/>
+        <p:cNvGrpSpPr/>
+        <p:nvPr/>
+      </p:nvGrpSpPr>
+      <p:grpSpPr>
+        <a:xfrm>
+          <a:off x="0" y="0"/>
+          <a:ext cx="0" cy="0"/>
+          <a:chOff x="0" y="0"/>
+          <a:chExt cx="0" cy="0"/>
+        </a:xfrm>
+      </p:grpSpPr>
+      <p:sp>
+        <p:nvSpPr>
+          <p:cNvPr id="2" name="Nadpis 1">
+            <a:extLst>
+              <a:ext uri="{FF2B5EF4-FFF2-40B4-BE49-F238E27FC236}">
+                <a16:creationId xmlns:a16="http://schemas.microsoft.com/office/drawing/2014/main" id="{DD39AD12-8D1C-8FA6-2BC0-12C5B3DD25D9}"/>
+              </a:ext>
+            </a:extLst>
+          </p:cNvPr>
+          <p:cNvSpPr>
+            <a:spLocks noGrp="1"/>
+          </p:cNvSpPr>
+          <p:nvPr>
+            <p:ph type="title"/>
+          </p:nvPr>
+        </p:nvSpPr>
+        <p:spPr/>
+        <p:txBody>
+          <a:bodyPr/>
+          <a:lstStyle/>
+          <a:p>
+            <a:r>
+              <a:rPr lang="sk-SK" dirty="0"/>
+              <a:t>Experimenty – MR </a:t>
+            </a:r>
+            <a:r>
+              <a:rPr lang="en-US" dirty="0"/>
+              <a:t>= 0.2</a:t>
+            </a:r>
+            <a:endParaRPr lang="sk-SK" dirty="0"/>
+          </a:p>
+        </p:txBody>
+      </p:sp>
+      <p:pic>
+        <p:nvPicPr>
+          <p:cNvPr id="5" name="Zástupný objekt pre obsah 4" descr="Obrázok, na ktorom je text, snímka obrazovky, obrazovka&#10;&#10;Automaticky generovaný popis">
+            <a:extLst>
+              <a:ext uri="{FF2B5EF4-FFF2-40B4-BE49-F238E27FC236}">
+                <a16:creationId xmlns:a16="http://schemas.microsoft.com/office/drawing/2014/main" id="{B5C0C761-EA10-0BD3-EA0E-777D21975AFF}"/>
+              </a:ext>
+            </a:extLst>
+          </p:cNvPr>
+          <p:cNvPicPr>
+            <a:picLocks noGrp="1" noChangeAspect="1"/>
+          </p:cNvPicPr>
+          <p:nvPr>
+            <p:ph idx="1"/>
+          </p:nvPr>
+        </p:nvPicPr>
+        <p:blipFill>
+          <a:blip r:embed="rId2">
+            <a:extLst>
+              <a:ext uri="{28A0092B-C50C-407E-A947-70E740481C1C}">
+                <a14:useLocalDpi xmlns:a14="http://schemas.microsoft.com/office/drawing/2010/main" val="0"/>
+              </a:ext>
+            </a:extLst>
+          </a:blip>
+          <a:srcRect/>
+          <a:stretch>
+            <a:fillRect/>
+          </a:stretch>
+        </p:blipFill>
+        <p:spPr bwMode="auto">
+          <a:xfrm>
+            <a:off x="875847" y="2395357"/>
+            <a:ext cx="10440305" cy="2834886"/>
+          </a:xfrm>
+          <a:prstGeom prst="rect">
+            <a:avLst/>
+          </a:prstGeom>
+          <a:noFill/>
+          <a:ln>
+            <a:noFill/>
+          </a:ln>
+        </p:spPr>
+      </p:pic>
+    </p:spTree>
+    <p:extLst>
+      <p:ext uri="{BB962C8B-B14F-4D97-AF65-F5344CB8AC3E}">
+        <p14:creationId xmlns:p14="http://schemas.microsoft.com/office/powerpoint/2010/main" val="3724734665"/>
+      </p:ext>
+    </p:extLst>
+  </p:cSld>
+  <p:clrMapOvr>
+    <a:masterClrMapping/>
+  </p:clrMapOvr>
+  <p:transition spd="slow">
+    <p:push dir="u"/>
+  </p:transition>
 </p:sld>
 </file>
 
